--- a/MyShelfie/info/provaFinalePresentation.pptx
+++ b/MyShelfie/info/provaFinalePresentation.pptx
@@ -7,8 +7,8 @@
   <p:sldIdLst>
     <p:sldId id="256" r:id="rId2"/>
     <p:sldId id="262" r:id="rId3"/>
-    <p:sldId id="263" r:id="rId4"/>
-    <p:sldId id="264" r:id="rId5"/>
+    <p:sldId id="264" r:id="rId4"/>
+    <p:sldId id="263" r:id="rId5"/>
     <p:sldId id="265" r:id="rId6"/>
   </p:sldIdLst>
   <p:sldSz cx="9144000" cy="6858000" type="screen4x3"/>
@@ -4801,7 +4801,7 @@
           <a:p>
             <a:fld id="{B96E2279-029F-964F-A5B1-8676BDA67CCA}" type="datetimeFigureOut">
               <a:rPr lang="it-IT" smtClean="0"/>
-              <a:t>28/06/2023</a:t>
+              <a:t>30/06/2023</a:t>
             </a:fld>
             <a:endParaRPr lang="it-IT"/>
           </a:p>
@@ -5003,7 +5003,7 @@
           <a:p>
             <a:fld id="{B96E2279-029F-964F-A5B1-8676BDA67CCA}" type="datetimeFigureOut">
               <a:rPr lang="it-IT" smtClean="0"/>
-              <a:t>28/06/2023</a:t>
+              <a:t>30/06/2023</a:t>
             </a:fld>
             <a:endParaRPr lang="it-IT"/>
           </a:p>
@@ -9938,7 +9938,7 @@
           <a:p>
             <a:fld id="{B96E2279-029F-964F-A5B1-8676BDA67CCA}" type="datetimeFigureOut">
               <a:rPr lang="it-IT" smtClean="0"/>
-              <a:t>28/06/2023</a:t>
+              <a:t>30/06/2023</a:t>
             </a:fld>
             <a:endParaRPr lang="it-IT"/>
           </a:p>
@@ -10247,7 +10247,7 @@
           <a:p>
             <a:fld id="{B96E2279-029F-964F-A5B1-8676BDA67CCA}" type="datetimeFigureOut">
               <a:rPr lang="it-IT" smtClean="0"/>
-              <a:t>28/06/2023</a:t>
+              <a:t>30/06/2023</a:t>
             </a:fld>
             <a:endParaRPr lang="it-IT"/>
           </a:p>
@@ -10690,7 +10690,7 @@
           <a:p>
             <a:fld id="{B96E2279-029F-964F-A5B1-8676BDA67CCA}" type="datetimeFigureOut">
               <a:rPr lang="it-IT" smtClean="0"/>
-              <a:t>28/06/2023</a:t>
+              <a:t>30/06/2023</a:t>
             </a:fld>
             <a:endParaRPr lang="it-IT"/>
           </a:p>
@@ -10831,7 +10831,7 @@
           <a:p>
             <a:fld id="{B96E2279-029F-964F-A5B1-8676BDA67CCA}" type="datetimeFigureOut">
               <a:rPr lang="it-IT" smtClean="0"/>
-              <a:t>28/06/2023</a:t>
+              <a:t>30/06/2023</a:t>
             </a:fld>
             <a:endParaRPr lang="it-IT"/>
           </a:p>
@@ -10950,7 +10950,7 @@
           <a:p>
             <a:fld id="{B96E2279-029F-964F-A5B1-8676BDA67CCA}" type="datetimeFigureOut">
               <a:rPr lang="it-IT" smtClean="0"/>
-              <a:t>28/06/2023</a:t>
+              <a:t>30/06/2023</a:t>
             </a:fld>
             <a:endParaRPr lang="it-IT"/>
           </a:p>
@@ -11249,7 +11249,7 @@
           <a:p>
             <a:fld id="{B96E2279-029F-964F-A5B1-8676BDA67CCA}" type="datetimeFigureOut">
               <a:rPr lang="it-IT" smtClean="0"/>
-              <a:t>28/06/2023</a:t>
+              <a:t>30/06/2023</a:t>
             </a:fld>
             <a:endParaRPr lang="it-IT"/>
           </a:p>
@@ -11528,7 +11528,7 @@
           <a:p>
             <a:fld id="{B96E2279-029F-964F-A5B1-8676BDA67CCA}" type="datetimeFigureOut">
               <a:rPr lang="it-IT" smtClean="0"/>
-              <a:t>28/06/2023</a:t>
+              <a:t>30/06/2023</a:t>
             </a:fld>
             <a:endParaRPr lang="it-IT"/>
           </a:p>
@@ -12325,7 +12325,7 @@
             </a:pPr>
             <a:r>
               <a:rPr lang="it-IT" dirty="0"/>
-              <a:t>4 Additional features</a:t>
+              <a:t>3 Additional features</a:t>
             </a:r>
           </a:p>
           <a:p>
@@ -12482,6 +12482,434 @@
         <p:spPr>
           <a:xfrm>
             <a:off x="457200" y="1487606"/>
+            <a:ext cx="8323726" cy="4638558"/>
+          </a:xfrm>
+        </p:spPr>
+        <p:txBody>
+          <a:bodyPr>
+            <a:normAutofit lnSpcReduction="10000"/>
+          </a:bodyPr>
+          <a:lstStyle/>
+          <a:p>
+            <a:pPr marL="457200" indent="-457200">
+              <a:buFont typeface="+mj-lt"/>
+              <a:buAutoNum type="arabicPeriod"/>
+            </a:pPr>
+            <a:r>
+              <a:rPr lang="it-IT" sz="2400" b="1" dirty="0">
+                <a:solidFill>
+                  <a:srgbClr val="0070C0"/>
+                </a:solidFill>
+              </a:rPr>
+              <a:t>Disconnection </a:t>
+            </a:r>
+            <a:r>
+              <a:rPr lang="it-IT" sz="2400" b="1" dirty="0" err="1">
+                <a:solidFill>
+                  <a:srgbClr val="0070C0"/>
+                </a:solidFill>
+              </a:rPr>
+              <a:t>Resilience</a:t>
+            </a:r>
+            <a:r>
+              <a:rPr lang="it-IT" sz="2400" b="1" dirty="0">
+                <a:solidFill>
+                  <a:srgbClr val="0070C0"/>
+                </a:solidFill>
+              </a:rPr>
+              <a:t>: </a:t>
+            </a:r>
+          </a:p>
+          <a:p>
+            <a:pPr marL="1200150" lvl="1" indent="-457200"/>
+            <a:r>
+              <a:rPr lang="it-IT" sz="1800" dirty="0" err="1"/>
+              <a:t>When</a:t>
+            </a:r>
+            <a:r>
+              <a:rPr lang="it-IT" sz="1800" dirty="0"/>
+              <a:t> the </a:t>
+            </a:r>
+            <a:r>
+              <a:rPr lang="it-IT" sz="1800" dirty="0" err="1"/>
+              <a:t>client’s</a:t>
+            </a:r>
+            <a:r>
+              <a:rPr lang="it-IT" sz="1800" dirty="0"/>
+              <a:t> connection drops, the client can </a:t>
+            </a:r>
+            <a:r>
+              <a:rPr lang="it-IT" sz="1800" dirty="0" err="1"/>
+              <a:t>reconnect</a:t>
+            </a:r>
+            <a:r>
+              <a:rPr lang="it-IT" sz="1800" dirty="0"/>
+              <a:t> to the game </a:t>
+            </a:r>
+            <a:r>
+              <a:rPr lang="it-IT" sz="1800" dirty="0" err="1"/>
+              <a:t>inserting</a:t>
+            </a:r>
+            <a:r>
+              <a:rPr lang="it-IT" sz="1800" dirty="0"/>
+              <a:t> </a:t>
+            </a:r>
+            <a:r>
+              <a:rPr lang="it-IT" sz="1800" dirty="0" err="1"/>
+              <a:t>their</a:t>
+            </a:r>
+            <a:r>
+              <a:rPr lang="it-IT" sz="1800" dirty="0"/>
+              <a:t> </a:t>
+            </a:r>
+            <a:r>
+              <a:rPr lang="it-IT" sz="1800" dirty="0" err="1"/>
+              <a:t>previous</a:t>
+            </a:r>
+            <a:r>
+              <a:rPr lang="it-IT" sz="1800" dirty="0"/>
+              <a:t> nickname and </a:t>
+            </a:r>
+            <a:r>
+              <a:rPr lang="it-IT" sz="1800" dirty="0" err="1"/>
+              <a:t>selecting</a:t>
+            </a:r>
+            <a:r>
+              <a:rPr lang="it-IT" sz="1800" dirty="0"/>
+              <a:t> the «continue game» option. </a:t>
+            </a:r>
+          </a:p>
+          <a:p>
+            <a:pPr marL="1200150" lvl="1" indent="-457200"/>
+            <a:r>
+              <a:rPr lang="it-IT" sz="1800" dirty="0"/>
+              <a:t>In the </a:t>
+            </a:r>
+            <a:r>
+              <a:rPr lang="it-IT" sz="1800" dirty="0" err="1"/>
+              <a:t>meanwhile</a:t>
+            </a:r>
+            <a:r>
+              <a:rPr lang="it-IT" sz="1800" dirty="0"/>
+              <a:t>, the other players continue to play and the one </a:t>
+            </a:r>
+            <a:r>
+              <a:rPr lang="it-IT" sz="1800" dirty="0" err="1"/>
+              <a:t>disconnected</a:t>
+            </a:r>
+            <a:r>
+              <a:rPr lang="it-IT" sz="1800" dirty="0"/>
+              <a:t> skips </a:t>
+            </a:r>
+            <a:r>
+              <a:rPr lang="it-IT" sz="1800" dirty="0" err="1"/>
+              <a:t>their</a:t>
+            </a:r>
+            <a:r>
+              <a:rPr lang="it-IT" sz="1800" dirty="0"/>
+              <a:t> turn. </a:t>
+            </a:r>
+          </a:p>
+          <a:p>
+            <a:pPr marL="1200150" lvl="1" indent="-457200"/>
+            <a:r>
+              <a:rPr lang="it-IT" sz="1800" dirty="0"/>
+              <a:t>If </a:t>
+            </a:r>
+            <a:r>
+              <a:rPr lang="it-IT" sz="1800" dirty="0" err="1"/>
+              <a:t>there</a:t>
+            </a:r>
+            <a:r>
+              <a:rPr lang="it-IT" sz="1800" dirty="0"/>
+              <a:t> is only one player </a:t>
+            </a:r>
+            <a:r>
+              <a:rPr lang="it-IT" sz="1800" dirty="0" err="1"/>
+              <a:t>connected</a:t>
+            </a:r>
+            <a:r>
+              <a:rPr lang="it-IT" sz="1800" dirty="0"/>
+              <a:t> to the game, at </a:t>
+            </a:r>
+            <a:r>
+              <a:rPr lang="it-IT" sz="1800" dirty="0" err="1"/>
+              <a:t>least</a:t>
+            </a:r>
+            <a:r>
+              <a:rPr lang="it-IT" sz="1800" dirty="0"/>
+              <a:t> one of the others players </a:t>
+            </a:r>
+            <a:r>
+              <a:rPr lang="it-IT" sz="1800" dirty="0" err="1"/>
+              <a:t>has</a:t>
+            </a:r>
+            <a:r>
+              <a:rPr lang="it-IT" sz="1800" dirty="0"/>
+              <a:t> 30 sec to </a:t>
+            </a:r>
+            <a:r>
+              <a:rPr lang="it-IT" sz="1800" dirty="0" err="1"/>
+              <a:t>reconnect</a:t>
+            </a:r>
+            <a:r>
+              <a:rPr lang="it-IT" sz="1800" dirty="0"/>
+              <a:t> </a:t>
+            </a:r>
+            <a:r>
+              <a:rPr lang="it-IT" sz="1800" dirty="0" err="1"/>
+              <a:t>otherwise</a:t>
+            </a:r>
+            <a:r>
+              <a:rPr lang="it-IT" sz="1800" dirty="0"/>
+              <a:t> the last player </a:t>
+            </a:r>
+            <a:r>
+              <a:rPr lang="it-IT" sz="1800" dirty="0" err="1"/>
+              <a:t>connected</a:t>
+            </a:r>
+            <a:r>
+              <a:rPr lang="it-IT" sz="1800" dirty="0"/>
+              <a:t> </a:t>
+            </a:r>
+            <a:r>
+              <a:rPr lang="it-IT" sz="1800" dirty="0" err="1"/>
+              <a:t>wins</a:t>
+            </a:r>
+            <a:r>
+              <a:rPr lang="it-IT" sz="1800" dirty="0"/>
+              <a:t>.</a:t>
+            </a:r>
+            <a:endParaRPr lang="it-IT" sz="1800" b="1" dirty="0">
+              <a:solidFill>
+                <a:srgbClr val="0070C0"/>
+              </a:solidFill>
+            </a:endParaRPr>
+          </a:p>
+          <a:p>
+            <a:pPr marL="457200" indent="-457200">
+              <a:buFont typeface="+mj-lt"/>
+              <a:buAutoNum type="arabicPeriod"/>
+            </a:pPr>
+            <a:r>
+              <a:rPr lang="it-IT" sz="2400" b="1" dirty="0">
+                <a:solidFill>
+                  <a:srgbClr val="0070C0"/>
+                </a:solidFill>
+              </a:rPr>
+              <a:t>Persistence: </a:t>
+            </a:r>
+          </a:p>
+          <a:p>
+            <a:pPr marL="1085850" lvl="1" indent="-342900"/>
+            <a:r>
+              <a:rPr lang="it-IT" sz="1800" dirty="0"/>
+              <a:t>If </a:t>
+            </a:r>
+            <a:r>
+              <a:rPr lang="it-IT" sz="1800" dirty="0" err="1"/>
+              <a:t>Server’s</a:t>
+            </a:r>
+            <a:r>
+              <a:rPr lang="it-IT" sz="1800" dirty="0"/>
+              <a:t> connection drops, the Server can reset the </a:t>
+            </a:r>
+            <a:r>
+              <a:rPr lang="it-IT" sz="1800" dirty="0" err="1"/>
+              <a:t>old</a:t>
+            </a:r>
+            <a:r>
+              <a:rPr lang="it-IT" sz="1800" dirty="0"/>
+              <a:t> games reading the information from text files, and players can </a:t>
+            </a:r>
+            <a:r>
+              <a:rPr lang="it-IT" sz="1800" dirty="0" err="1"/>
+              <a:t>rejoin</a:t>
+            </a:r>
+            <a:r>
+              <a:rPr lang="it-IT" sz="1800" dirty="0"/>
+              <a:t> </a:t>
+            </a:r>
+            <a:r>
+              <a:rPr lang="it-IT" sz="1800" dirty="0" err="1"/>
+              <a:t>them</a:t>
+            </a:r>
+            <a:r>
+              <a:rPr lang="it-IT" sz="1800" dirty="0"/>
+              <a:t> and </a:t>
+            </a:r>
+            <a:r>
+              <a:rPr lang="it-IT" sz="1800" dirty="0" err="1"/>
+              <a:t>resume</a:t>
+            </a:r>
+            <a:r>
+              <a:rPr lang="it-IT" sz="1800" dirty="0"/>
+              <a:t> the game. </a:t>
+            </a:r>
+          </a:p>
+          <a:p>
+            <a:pPr marL="1085850" lvl="1" indent="-342900"/>
+            <a:r>
+              <a:rPr lang="it-IT" sz="1800" dirty="0"/>
+              <a:t>Players’ </a:t>
+            </a:r>
+            <a:r>
+              <a:rPr lang="it-IT" sz="1800" dirty="0" err="1"/>
+              <a:t>reconnection</a:t>
+            </a:r>
+            <a:r>
+              <a:rPr lang="it-IT" sz="1800" dirty="0"/>
+              <a:t> is </a:t>
+            </a:r>
+            <a:r>
+              <a:rPr lang="it-IT" sz="1800" dirty="0" err="1"/>
+              <a:t>managed</a:t>
+            </a:r>
+            <a:r>
+              <a:rPr lang="it-IT" sz="1800" dirty="0"/>
+              <a:t> as the </a:t>
+            </a:r>
+            <a:r>
+              <a:rPr lang="it-IT" sz="1800" dirty="0" err="1"/>
+              <a:t>additional</a:t>
+            </a:r>
+            <a:r>
+              <a:rPr lang="it-IT" sz="1800" dirty="0"/>
+              <a:t> feature «Disconnection </a:t>
+            </a:r>
+            <a:r>
+              <a:rPr lang="it-IT" sz="1800" dirty="0" err="1"/>
+              <a:t>Resilience</a:t>
+            </a:r>
+            <a:r>
+              <a:rPr lang="it-IT" sz="1800" dirty="0"/>
+              <a:t>».</a:t>
+            </a:r>
+            <a:endParaRPr lang="it-IT" sz="2000" dirty="0"/>
+          </a:p>
+        </p:txBody>
+      </p:sp>
+      <p:sp>
+        <p:nvSpPr>
+          <p:cNvPr id="4" name="Rettangolo 3">
+            <a:extLst>
+              <a:ext uri="{FF2B5EF4-FFF2-40B4-BE49-F238E27FC236}">
+                <a16:creationId xmlns:a16="http://schemas.microsoft.com/office/drawing/2014/main" id="{79676D20-872D-D695-559E-E1FEF28BE6D2}"/>
+              </a:ext>
+            </a:extLst>
+          </p:cNvPr>
+          <p:cNvSpPr/>
+          <p:nvPr/>
+        </p:nvSpPr>
+        <p:spPr>
+          <a:xfrm>
+            <a:off x="138620" y="6355829"/>
+            <a:ext cx="3024305" cy="359763"/>
+          </a:xfrm>
+          <a:prstGeom prst="rect">
+            <a:avLst/>
+          </a:prstGeom>
+          <a:solidFill>
+            <a:srgbClr val="728FA5"/>
+          </a:solidFill>
+          <a:ln>
+            <a:noFill/>
+          </a:ln>
+          <a:effectLst/>
+        </p:spPr>
+        <p:style>
+          <a:lnRef idx="1">
+            <a:schemeClr val="accent1"/>
+          </a:lnRef>
+          <a:fillRef idx="3">
+            <a:schemeClr val="accent1"/>
+          </a:fillRef>
+          <a:effectRef idx="2">
+            <a:schemeClr val="accent1"/>
+          </a:effectRef>
+          <a:fontRef idx="minor">
+            <a:schemeClr val="lt1"/>
+          </a:fontRef>
+        </p:style>
+        <p:txBody>
+          <a:bodyPr rtlCol="0" anchor="ctr"/>
+          <a:lstStyle/>
+          <a:p>
+            <a:pPr algn="ctr"/>
+            <a:endParaRPr lang="it-IT"/>
+          </a:p>
+        </p:txBody>
+      </p:sp>
+    </p:spTree>
+    <p:extLst>
+      <p:ext uri="{BB962C8B-B14F-4D97-AF65-F5344CB8AC3E}">
+        <p14:creationId xmlns:p14="http://schemas.microsoft.com/office/powerpoint/2010/main" val="964399752"/>
+      </p:ext>
+    </p:extLst>
+  </p:cSld>
+  <p:clrMapOvr>
+    <a:masterClrMapping/>
+  </p:clrMapOvr>
+</p:sld>
+</file>
+
+<file path=ppt/slides/slide4.xml><?xml version="1.0" encoding="utf-8"?>
+<p:sld xmlns:a="http://schemas.openxmlformats.org/drawingml/2006/main" xmlns:r="http://schemas.openxmlformats.org/officeDocument/2006/relationships" xmlns:p="http://schemas.openxmlformats.org/presentationml/2006/main">
+  <p:cSld>
+    <p:spTree>
+      <p:nvGrpSpPr>
+        <p:cNvPr id="1" name=""/>
+        <p:cNvGrpSpPr/>
+        <p:nvPr/>
+      </p:nvGrpSpPr>
+      <p:grpSpPr>
+        <a:xfrm>
+          <a:off x="0" y="0"/>
+          <a:ext cx="0" cy="0"/>
+          <a:chOff x="0" y="0"/>
+          <a:chExt cx="0" cy="0"/>
+        </a:xfrm>
+      </p:grpSpPr>
+      <p:sp>
+        <p:nvSpPr>
+          <p:cNvPr id="2" name="Titolo 1"/>
+          <p:cNvSpPr>
+            <a:spLocks noGrp="1"/>
+          </p:cNvSpPr>
+          <p:nvPr>
+            <p:ph type="title"/>
+          </p:nvPr>
+        </p:nvSpPr>
+        <p:spPr>
+          <a:xfrm>
+            <a:off x="288521" y="274078"/>
+            <a:ext cx="8581043" cy="592671"/>
+          </a:xfrm>
+        </p:spPr>
+        <p:txBody>
+          <a:bodyPr/>
+          <a:lstStyle/>
+          <a:p>
+            <a:r>
+              <a:rPr lang="it-IT" dirty="0"/>
+              <a:t>Additional features</a:t>
+            </a:r>
+          </a:p>
+        </p:txBody>
+      </p:sp>
+      <p:sp>
+        <p:nvSpPr>
+          <p:cNvPr id="3" name="Segnaposto contenuto 2"/>
+          <p:cNvSpPr>
+            <a:spLocks noGrp="1"/>
+          </p:cNvSpPr>
+          <p:nvPr>
+            <p:ph idx="1"/>
+          </p:nvPr>
+        </p:nvSpPr>
+        <p:spPr>
+          <a:xfrm>
+            <a:off x="457200" y="1487606"/>
             <a:ext cx="8209128" cy="4638558"/>
           </a:xfrm>
         </p:spPr>
@@ -12493,7 +12921,7 @@
           <a:p>
             <a:pPr marL="457200" indent="-457200">
               <a:buFont typeface="+mj-lt"/>
-              <a:buAutoNum type="arabicPeriod"/>
+              <a:buAutoNum type="arabicPeriod" startAt="3"/>
             </a:pPr>
             <a:r>
               <a:rPr lang="it-IT" sz="2400" b="1" dirty="0">
@@ -12583,17 +13011,22 @@
             </a:r>
           </a:p>
           <a:p>
-            <a:pPr marL="457200" indent="-457200" algn="just">
-              <a:buFont typeface="+mj-lt"/>
-              <a:buAutoNum type="arabicPeriod"/>
-            </a:pPr>
+            <a:pPr algn="just"/>
+            <a:r>
+              <a:rPr lang="it-IT" sz="1800" b="1" u="sng" dirty="0">
+                <a:solidFill>
+                  <a:srgbClr val="0070C0"/>
+                </a:solidFill>
+              </a:rPr>
+              <a:t>Note:</a:t>
+            </a:r>
             <a:r>
               <a:rPr lang="it-IT" sz="2400" b="1" dirty="0">
                 <a:solidFill>
                   <a:srgbClr val="0070C0"/>
                 </a:solidFill>
               </a:rPr>
-              <a:t>Chat:</a:t>
+              <a:t> Chat:</a:t>
             </a:r>
             <a:r>
               <a:rPr lang="it-IT" sz="2400" dirty="0">
@@ -12622,7 +13055,7 @@
             <a:pPr marL="1200150" lvl="1" indent="-457200" algn="just"/>
             <a:r>
               <a:rPr lang="en-US" sz="1800" dirty="0"/>
-              <a:t>GUI:  real-time chat.</a:t>
+              <a:t>GUI:  real-time chat, without private messages.</a:t>
             </a:r>
             <a:endParaRPr lang="it-IT" sz="2000" dirty="0"/>
           </a:p>
@@ -12683,456 +13116,6 @@
     <p:extLst>
       <p:ext uri="{BB962C8B-B14F-4D97-AF65-F5344CB8AC3E}">
         <p14:creationId xmlns:p14="http://schemas.microsoft.com/office/powerpoint/2010/main" val="1784964764"/>
-      </p:ext>
-    </p:extLst>
-  </p:cSld>
-  <p:clrMapOvr>
-    <a:masterClrMapping/>
-  </p:clrMapOvr>
-</p:sld>
-</file>
-
-<file path=ppt/slides/slide4.xml><?xml version="1.0" encoding="utf-8"?>
-<p:sld xmlns:a="http://schemas.openxmlformats.org/drawingml/2006/main" xmlns:r="http://schemas.openxmlformats.org/officeDocument/2006/relationships" xmlns:p="http://schemas.openxmlformats.org/presentationml/2006/main">
-  <p:cSld>
-    <p:spTree>
-      <p:nvGrpSpPr>
-        <p:cNvPr id="1" name=""/>
-        <p:cNvGrpSpPr/>
-        <p:nvPr/>
-      </p:nvGrpSpPr>
-      <p:grpSpPr>
-        <a:xfrm>
-          <a:off x="0" y="0"/>
-          <a:ext cx="0" cy="0"/>
-          <a:chOff x="0" y="0"/>
-          <a:chExt cx="0" cy="0"/>
-        </a:xfrm>
-      </p:grpSpPr>
-      <p:sp>
-        <p:nvSpPr>
-          <p:cNvPr id="2" name="Titolo 1"/>
-          <p:cNvSpPr>
-            <a:spLocks noGrp="1"/>
-          </p:cNvSpPr>
-          <p:nvPr>
-            <p:ph type="title"/>
-          </p:nvPr>
-        </p:nvSpPr>
-        <p:spPr>
-          <a:xfrm>
-            <a:off x="288521" y="274078"/>
-            <a:ext cx="8581043" cy="592671"/>
-          </a:xfrm>
-        </p:spPr>
-        <p:txBody>
-          <a:bodyPr/>
-          <a:lstStyle/>
-          <a:p>
-            <a:r>
-              <a:rPr lang="it-IT" dirty="0"/>
-              <a:t>Additional features</a:t>
-            </a:r>
-          </a:p>
-        </p:txBody>
-      </p:sp>
-      <p:sp>
-        <p:nvSpPr>
-          <p:cNvPr id="3" name="Segnaposto contenuto 2"/>
-          <p:cNvSpPr>
-            <a:spLocks noGrp="1"/>
-          </p:cNvSpPr>
-          <p:nvPr>
-            <p:ph idx="1"/>
-          </p:nvPr>
-        </p:nvSpPr>
-        <p:spPr>
-          <a:xfrm>
-            <a:off x="457200" y="1487606"/>
-            <a:ext cx="8323726" cy="4638558"/>
-          </a:xfrm>
-        </p:spPr>
-        <p:txBody>
-          <a:bodyPr>
-            <a:normAutofit lnSpcReduction="10000"/>
-          </a:bodyPr>
-          <a:lstStyle/>
-          <a:p>
-            <a:pPr marL="457200" indent="-457200">
-              <a:buAutoNum type="arabicPeriod" startAt="3"/>
-            </a:pPr>
-            <a:r>
-              <a:rPr lang="it-IT" sz="2400" b="1" dirty="0" err="1">
-                <a:solidFill>
-                  <a:srgbClr val="0070C0"/>
-                </a:solidFill>
-              </a:rPr>
-              <a:t>Disconnection</a:t>
-            </a:r>
-            <a:r>
-              <a:rPr lang="it-IT" sz="2400" b="1" dirty="0">
-                <a:solidFill>
-                  <a:srgbClr val="0070C0"/>
-                </a:solidFill>
-              </a:rPr>
-              <a:t> </a:t>
-            </a:r>
-            <a:r>
-              <a:rPr lang="it-IT" sz="2400" b="1" dirty="0" err="1">
-                <a:solidFill>
-                  <a:srgbClr val="0070C0"/>
-                </a:solidFill>
-              </a:rPr>
-              <a:t>Resilience</a:t>
-            </a:r>
-            <a:r>
-              <a:rPr lang="it-IT" sz="2400" b="1" dirty="0">
-                <a:solidFill>
-                  <a:srgbClr val="0070C0"/>
-                </a:solidFill>
-              </a:rPr>
-              <a:t>: </a:t>
-            </a:r>
-          </a:p>
-          <a:p>
-            <a:pPr marL="1200150" lvl="1" indent="-457200"/>
-            <a:r>
-              <a:rPr lang="it-IT" sz="1800" dirty="0" err="1"/>
-              <a:t>When</a:t>
-            </a:r>
-            <a:r>
-              <a:rPr lang="it-IT" sz="1800" dirty="0"/>
-              <a:t> the </a:t>
-            </a:r>
-            <a:r>
-              <a:rPr lang="it-IT" sz="1800" dirty="0" err="1"/>
-              <a:t>client’s</a:t>
-            </a:r>
-            <a:r>
-              <a:rPr lang="it-IT" sz="1800" dirty="0"/>
-              <a:t> connection drops, the client can </a:t>
-            </a:r>
-            <a:r>
-              <a:rPr lang="it-IT" sz="1800" dirty="0" err="1"/>
-              <a:t>reconnect</a:t>
-            </a:r>
-            <a:r>
-              <a:rPr lang="it-IT" sz="1800" dirty="0"/>
-              <a:t> to the game </a:t>
-            </a:r>
-            <a:r>
-              <a:rPr lang="it-IT" sz="1800" dirty="0" err="1"/>
-              <a:t>inserting</a:t>
-            </a:r>
-            <a:r>
-              <a:rPr lang="it-IT" sz="1800" dirty="0"/>
-              <a:t> </a:t>
-            </a:r>
-            <a:r>
-              <a:rPr lang="it-IT" sz="1800" dirty="0" err="1"/>
-              <a:t>their</a:t>
-            </a:r>
-            <a:r>
-              <a:rPr lang="it-IT" sz="1800" dirty="0"/>
-              <a:t> </a:t>
-            </a:r>
-            <a:r>
-              <a:rPr lang="it-IT" sz="1800" dirty="0" err="1"/>
-              <a:t>previous</a:t>
-            </a:r>
-            <a:r>
-              <a:rPr lang="it-IT" sz="1800" dirty="0"/>
-              <a:t> nickname and </a:t>
-            </a:r>
-            <a:r>
-              <a:rPr lang="it-IT" sz="1800" dirty="0" err="1"/>
-              <a:t>selecting</a:t>
-            </a:r>
-            <a:r>
-              <a:rPr lang="it-IT" sz="1800" dirty="0"/>
-              <a:t> the «continue game» option. </a:t>
-            </a:r>
-          </a:p>
-          <a:p>
-            <a:pPr marL="1200150" lvl="1" indent="-457200"/>
-            <a:r>
-              <a:rPr lang="it-IT" sz="1800" dirty="0"/>
-              <a:t>In the </a:t>
-            </a:r>
-            <a:r>
-              <a:rPr lang="it-IT" sz="1800" dirty="0" err="1"/>
-              <a:t>meanwhile</a:t>
-            </a:r>
-            <a:r>
-              <a:rPr lang="it-IT" sz="1800" dirty="0"/>
-              <a:t>, the other players continue to play and the one </a:t>
-            </a:r>
-            <a:r>
-              <a:rPr lang="it-IT" sz="1800" dirty="0" err="1"/>
-              <a:t>disconnected</a:t>
-            </a:r>
-            <a:r>
-              <a:rPr lang="it-IT" sz="1800" dirty="0"/>
-              <a:t> skips </a:t>
-            </a:r>
-            <a:r>
-              <a:rPr lang="it-IT" sz="1800" dirty="0" err="1"/>
-              <a:t>their</a:t>
-            </a:r>
-            <a:r>
-              <a:rPr lang="it-IT" sz="1800" dirty="0"/>
-              <a:t> turn. </a:t>
-            </a:r>
-          </a:p>
-          <a:p>
-            <a:pPr marL="1200150" lvl="1" indent="-457200"/>
-            <a:r>
-              <a:rPr lang="it-IT" sz="1800" dirty="0"/>
-              <a:t>If </a:t>
-            </a:r>
-            <a:r>
-              <a:rPr lang="it-IT" sz="1800" dirty="0" err="1"/>
-              <a:t>there</a:t>
-            </a:r>
-            <a:r>
-              <a:rPr lang="it-IT" sz="1800" dirty="0"/>
-              <a:t> is only one player </a:t>
-            </a:r>
-            <a:r>
-              <a:rPr lang="it-IT" sz="1800" dirty="0" err="1"/>
-              <a:t>connected</a:t>
-            </a:r>
-            <a:r>
-              <a:rPr lang="it-IT" sz="1800" dirty="0"/>
-              <a:t> to the game, at </a:t>
-            </a:r>
-            <a:r>
-              <a:rPr lang="it-IT" sz="1800" dirty="0" err="1"/>
-              <a:t>least</a:t>
-            </a:r>
-            <a:r>
-              <a:rPr lang="it-IT" sz="1800" dirty="0"/>
-              <a:t> one of the others players </a:t>
-            </a:r>
-            <a:r>
-              <a:rPr lang="it-IT" sz="1800" dirty="0" err="1"/>
-              <a:t>has</a:t>
-            </a:r>
-            <a:r>
-              <a:rPr lang="it-IT" sz="1800" dirty="0"/>
-              <a:t> 30 sec to </a:t>
-            </a:r>
-            <a:r>
-              <a:rPr lang="it-IT" sz="1800" dirty="0" err="1"/>
-              <a:t>reconnect</a:t>
-            </a:r>
-            <a:r>
-              <a:rPr lang="it-IT" sz="1800" dirty="0"/>
-              <a:t> </a:t>
-            </a:r>
-            <a:r>
-              <a:rPr lang="it-IT" sz="1800" dirty="0" err="1"/>
-              <a:t>otherwise</a:t>
-            </a:r>
-            <a:r>
-              <a:rPr lang="it-IT" sz="1800" dirty="0"/>
-              <a:t> the last player </a:t>
-            </a:r>
-            <a:r>
-              <a:rPr lang="it-IT" sz="1800" dirty="0" err="1"/>
-              <a:t>connected</a:t>
-            </a:r>
-            <a:r>
-              <a:rPr lang="it-IT" sz="1800" dirty="0"/>
-              <a:t> </a:t>
-            </a:r>
-            <a:r>
-              <a:rPr lang="it-IT" sz="1800" dirty="0" err="1"/>
-              <a:t>wins</a:t>
-            </a:r>
-            <a:r>
-              <a:rPr lang="it-IT" sz="1800" dirty="0"/>
-              <a:t>.</a:t>
-            </a:r>
-            <a:endParaRPr lang="it-IT" sz="1800" b="1" dirty="0">
-              <a:solidFill>
-                <a:srgbClr val="0070C0"/>
-              </a:solidFill>
-            </a:endParaRPr>
-          </a:p>
-          <a:p>
-            <a:pPr marL="457200" indent="-457200">
-              <a:buAutoNum type="arabicPeriod" startAt="4"/>
-            </a:pPr>
-            <a:r>
-              <a:rPr lang="it-IT" sz="2400" b="1" dirty="0" err="1">
-                <a:solidFill>
-                  <a:srgbClr val="0070C0"/>
-                </a:solidFill>
-              </a:rPr>
-              <a:t>Persistence</a:t>
-            </a:r>
-            <a:r>
-              <a:rPr lang="it-IT" sz="2400" b="1" dirty="0">
-                <a:solidFill>
-                  <a:srgbClr val="0070C0"/>
-                </a:solidFill>
-              </a:rPr>
-              <a:t>: </a:t>
-            </a:r>
-          </a:p>
-          <a:p>
-            <a:pPr marL="1085850" lvl="1" indent="-342900"/>
-            <a:r>
-              <a:rPr lang="it-IT" sz="1800" dirty="0"/>
-              <a:t>If </a:t>
-            </a:r>
-            <a:r>
-              <a:rPr lang="it-IT" sz="1800" dirty="0" err="1"/>
-              <a:t>Server’s</a:t>
-            </a:r>
-            <a:r>
-              <a:rPr lang="it-IT" sz="1800" dirty="0"/>
-              <a:t> connection drops, the Server can reset the </a:t>
-            </a:r>
-            <a:r>
-              <a:rPr lang="it-IT" sz="1800" dirty="0" err="1"/>
-              <a:t>old</a:t>
-            </a:r>
-            <a:r>
-              <a:rPr lang="it-IT" sz="1800" dirty="0"/>
-              <a:t> games reading the information from text files, and players can </a:t>
-            </a:r>
-            <a:r>
-              <a:rPr lang="it-IT" sz="1800" dirty="0" err="1"/>
-              <a:t>rejoin</a:t>
-            </a:r>
-            <a:r>
-              <a:rPr lang="it-IT" sz="1800" dirty="0"/>
-              <a:t> </a:t>
-            </a:r>
-            <a:r>
-              <a:rPr lang="it-IT" sz="1800" dirty="0" err="1"/>
-              <a:t>them</a:t>
-            </a:r>
-            <a:r>
-              <a:rPr lang="it-IT" sz="1800" dirty="0"/>
-              <a:t> and </a:t>
-            </a:r>
-            <a:r>
-              <a:rPr lang="it-IT" sz="1800" dirty="0" err="1"/>
-              <a:t>resume</a:t>
-            </a:r>
-            <a:r>
-              <a:rPr lang="it-IT" sz="1800" dirty="0"/>
-              <a:t> the game. </a:t>
-            </a:r>
-          </a:p>
-          <a:p>
-            <a:pPr marL="1085850" lvl="1" indent="-342900"/>
-            <a:r>
-              <a:rPr lang="it-IT" sz="1800" dirty="0"/>
-              <a:t>Players’ </a:t>
-            </a:r>
-            <a:r>
-              <a:rPr lang="it-IT" sz="1800" dirty="0" err="1"/>
-              <a:t>reconnection</a:t>
-            </a:r>
-            <a:r>
-              <a:rPr lang="it-IT" sz="1800" dirty="0"/>
-              <a:t> is </a:t>
-            </a:r>
-            <a:r>
-              <a:rPr lang="it-IT" sz="1800" dirty="0" err="1"/>
-              <a:t>managed</a:t>
-            </a:r>
-            <a:r>
-              <a:rPr lang="it-IT" sz="1800" dirty="0"/>
-              <a:t> as the </a:t>
-            </a:r>
-            <a:r>
-              <a:rPr lang="it-IT" sz="1800" dirty="0" err="1"/>
-              <a:t>additional</a:t>
-            </a:r>
-            <a:r>
-              <a:rPr lang="it-IT" sz="1800" dirty="0"/>
-              <a:t> feature «</a:t>
-            </a:r>
-            <a:r>
-              <a:rPr lang="it-IT" sz="1800" dirty="0" err="1"/>
-              <a:t>Disconnection</a:t>
-            </a:r>
-            <a:r>
-              <a:rPr lang="it-IT" sz="1800" dirty="0"/>
-              <a:t> </a:t>
-            </a:r>
-            <a:r>
-              <a:rPr lang="it-IT" sz="1800" dirty="0" err="1"/>
-              <a:t>Resilience</a:t>
-            </a:r>
-            <a:r>
-              <a:rPr lang="it-IT" sz="1800" dirty="0"/>
-              <a:t>».</a:t>
-            </a:r>
-            <a:endParaRPr lang="it-IT" sz="2000" dirty="0"/>
-          </a:p>
-        </p:txBody>
-      </p:sp>
-      <p:sp>
-        <p:nvSpPr>
-          <p:cNvPr id="4" name="Rettangolo 3">
-            <a:extLst>
-              <a:ext uri="{FF2B5EF4-FFF2-40B4-BE49-F238E27FC236}">
-                <a16:creationId xmlns:a16="http://schemas.microsoft.com/office/drawing/2014/main" id="{79676D20-872D-D695-559E-E1FEF28BE6D2}"/>
-              </a:ext>
-            </a:extLst>
-          </p:cNvPr>
-          <p:cNvSpPr/>
-          <p:nvPr/>
-        </p:nvSpPr>
-        <p:spPr>
-          <a:xfrm>
-            <a:off x="138620" y="6355829"/>
-            <a:ext cx="3024305" cy="359763"/>
-          </a:xfrm>
-          <a:prstGeom prst="rect">
-            <a:avLst/>
-          </a:prstGeom>
-          <a:solidFill>
-            <a:srgbClr val="728FA5"/>
-          </a:solidFill>
-          <a:ln>
-            <a:noFill/>
-          </a:ln>
-          <a:effectLst/>
-        </p:spPr>
-        <p:style>
-          <a:lnRef idx="1">
-            <a:schemeClr val="accent1"/>
-          </a:lnRef>
-          <a:fillRef idx="3">
-            <a:schemeClr val="accent1"/>
-          </a:fillRef>
-          <a:effectRef idx="2">
-            <a:schemeClr val="accent1"/>
-          </a:effectRef>
-          <a:fontRef idx="minor">
-            <a:schemeClr val="lt1"/>
-          </a:fontRef>
-        </p:style>
-        <p:txBody>
-          <a:bodyPr rtlCol="0" anchor="ctr"/>
-          <a:lstStyle/>
-          <a:p>
-            <a:pPr algn="ctr"/>
-            <a:endParaRPr lang="it-IT"/>
-          </a:p>
-        </p:txBody>
-      </p:sp>
-    </p:spTree>
-    <p:extLst>
-      <p:ext uri="{BB962C8B-B14F-4D97-AF65-F5344CB8AC3E}">
-        <p14:creationId xmlns:p14="http://schemas.microsoft.com/office/powerpoint/2010/main" val="964399752"/>
       </p:ext>
     </p:extLst>
   </p:cSld>
